--- a/JavaScript using an API with Knockout.pptx
+++ b/JavaScript using an API with Knockout.pptx
@@ -8,9 +8,10 @@
     <p:sldId id="256" r:id="rId2"/>
     <p:sldId id="257" r:id="rId3"/>
     <p:sldId id="258" r:id="rId4"/>
-    <p:sldId id="259" r:id="rId5"/>
-    <p:sldId id="260" r:id="rId6"/>
-    <p:sldId id="261" r:id="rId7"/>
+    <p:sldId id="262" r:id="rId5"/>
+    <p:sldId id="259" r:id="rId6"/>
+    <p:sldId id="260" r:id="rId7"/>
+    <p:sldId id="261" r:id="rId8"/>
   </p:sldIdLst>
   <p:sldSz cx="9144000" cy="6858000" type="screen4x3"/>
   <p:notesSz cx="6858000" cy="9144000"/>
@@ -3448,7 +3449,11 @@
             </a:r>
             <a:r>
               <a:rPr lang="en-US" dirty="0" smtClean="0"/>
-              <a:t> to accomplish this.</a:t>
+              <a:t> to accomplish this</a:t>
+            </a:r>
+            <a:r>
+              <a:rPr lang="en-US" dirty="0" smtClean="0"/>
+              <a:t>.</a:t>
             </a:r>
           </a:p>
         </p:txBody>
@@ -3528,6 +3533,129 @@
           <a:bodyPr/>
           <a:lstStyle/>
           <a:p>
+            <a:pPr lvl="0"/>
+            <a:r>
+              <a:rPr lang="en-US" dirty="0" smtClean="0"/>
+              <a:t>Data Bindings</a:t>
+            </a:r>
+            <a:endParaRPr lang="en-US" dirty="0" smtClean="0">
+              <a:hlinkClick r:id="rId2"/>
+            </a:endParaRPr>
+          </a:p>
+          <a:p>
+            <a:pPr lvl="1"/>
+            <a:r>
+              <a:rPr lang="en-US" dirty="0" smtClean="0">
+                <a:hlinkClick r:id="rId2"/>
+              </a:rPr>
+              <a:t>Option</a:t>
+            </a:r>
+            <a:r>
+              <a:rPr lang="en-US" baseline="0" dirty="0" smtClean="0">
+                <a:hlinkClick r:id="rId2"/>
+              </a:rPr>
+              <a:t> Binding</a:t>
+            </a:r>
+            <a:endParaRPr lang="en-US" baseline="0" dirty="0" smtClean="0"/>
+          </a:p>
+          <a:p>
+            <a:pPr lvl="1"/>
+            <a:r>
+              <a:rPr lang="en-US" baseline="0" dirty="0" smtClean="0">
+                <a:hlinkClick r:id="rId3"/>
+              </a:rPr>
+              <a:t>Checked Binding</a:t>
+            </a:r>
+            <a:endParaRPr lang="en-US" baseline="0" dirty="0" smtClean="0"/>
+          </a:p>
+          <a:p>
+            <a:r>
+              <a:rPr lang="en-US" dirty="0" smtClean="0"/>
+              <a:t>Subscriptions</a:t>
+            </a:r>
+          </a:p>
+          <a:p>
+            <a:pPr lvl="1"/>
+            <a:r>
+              <a:rPr lang="en-US" dirty="0" smtClean="0"/>
+              <a:t>Subscribing to a value can ensure that when a value on the page changes we can update other values that depend on the value that you </a:t>
+            </a:r>
+            <a:r>
+              <a:rPr lang="en-US" smtClean="0"/>
+              <a:t>are subscribed to</a:t>
+            </a:r>
+            <a:endParaRPr lang="en-US" dirty="0"/>
+          </a:p>
+        </p:txBody>
+      </p:sp>
+      <p:sp>
+        <p:nvSpPr>
+          <p:cNvPr id="3" name="Title 2"/>
+          <p:cNvSpPr>
+            <a:spLocks noGrp="1"/>
+          </p:cNvSpPr>
+          <p:nvPr>
+            <p:ph type="title"/>
+          </p:nvPr>
+        </p:nvSpPr>
+        <p:spPr/>
+        <p:txBody>
+          <a:bodyPr/>
+          <a:lstStyle/>
+          <a:p>
+            <a:r>
+              <a:rPr lang="en-US" dirty="0" smtClean="0"/>
+              <a:t>Knockout Basics</a:t>
+            </a:r>
+            <a:endParaRPr lang="en-US" dirty="0"/>
+          </a:p>
+        </p:txBody>
+      </p:sp>
+    </p:spTree>
+    <p:extLst>
+      <p:ext uri="{BB962C8B-B14F-4D97-AF65-F5344CB8AC3E}">
+        <p14:creationId xmlns:p14="http://schemas.microsoft.com/office/powerpoint/2010/main" val="1996028610"/>
+      </p:ext>
+    </p:extLst>
+  </p:cSld>
+  <p:clrMapOvr>
+    <a:masterClrMapping/>
+  </p:clrMapOvr>
+</p:sld>
+</file>
+
+<file path=ppt/slides/slide5.xml><?xml version="1.0" encoding="utf-8"?>
+<p:sld xmlns:a="http://schemas.openxmlformats.org/drawingml/2006/main" xmlns:r="http://schemas.openxmlformats.org/officeDocument/2006/relationships" xmlns:p="http://schemas.openxmlformats.org/presentationml/2006/main">
+  <p:cSld>
+    <p:spTree>
+      <p:nvGrpSpPr>
+        <p:cNvPr id="1" name=""/>
+        <p:cNvGrpSpPr/>
+        <p:nvPr/>
+      </p:nvGrpSpPr>
+      <p:grpSpPr>
+        <a:xfrm>
+          <a:off x="0" y="0"/>
+          <a:ext cx="0" cy="0"/>
+          <a:chOff x="0" y="0"/>
+          <a:chExt cx="0" cy="0"/>
+        </a:xfrm>
+      </p:grpSpPr>
+      <p:sp>
+        <p:nvSpPr>
+          <p:cNvPr id="2" name="Content Placeholder 1"/>
+          <p:cNvSpPr>
+            <a:spLocks noGrp="1"/>
+          </p:cNvSpPr>
+          <p:nvPr>
+            <p:ph idx="1"/>
+          </p:nvPr>
+        </p:nvSpPr>
+        <p:spPr/>
+        <p:txBody>
+          <a:bodyPr/>
+          <a:lstStyle/>
+          <a:p>
             <a:r>
               <a:rPr lang="en-US" dirty="0" smtClean="0"/>
               <a:t>Navigate to </a:t>
@@ -3586,7 +3714,7 @@
 </p:sld>
 </file>
 
-<file path=ppt/slides/slide5.xml><?xml version="1.0" encoding="utf-8"?>
+<file path=ppt/slides/slide6.xml><?xml version="1.0" encoding="utf-8"?>
 <p:sld xmlns:a="http://schemas.openxmlformats.org/drawingml/2006/main" xmlns:r="http://schemas.openxmlformats.org/officeDocument/2006/relationships" xmlns:p="http://schemas.openxmlformats.org/presentationml/2006/main">
   <p:cSld>
     <p:spTree>
@@ -3687,7 +3815,7 @@
 </p:sld>
 </file>
 
-<file path=ppt/slides/slide6.xml><?xml version="1.0" encoding="utf-8"?>
+<file path=ppt/slides/slide7.xml><?xml version="1.0" encoding="utf-8"?>
 <p:sld xmlns:a="http://schemas.openxmlformats.org/drawingml/2006/main" xmlns:r="http://schemas.openxmlformats.org/officeDocument/2006/relationships" xmlns:p="http://schemas.openxmlformats.org/presentationml/2006/main">
   <p:cSld>
     <p:spTree>

--- a/JavaScript using an API with Knockout.pptx
+++ b/JavaScript using an API with Knockout.pptx
@@ -3449,11 +3449,7 @@
             </a:r>
             <a:r>
               <a:rPr lang="en-US" dirty="0" smtClean="0"/>
-              <a:t> to accomplish this</a:t>
-            </a:r>
-            <a:r>
-              <a:rPr lang="en-US" dirty="0" smtClean="0"/>
-              <a:t>.</a:t>
+              <a:t> to accomplish this.</a:t>
             </a:r>
           </a:p>
         </p:txBody>
@@ -3564,7 +3560,23 @@
               <a:rPr lang="en-US" baseline="0" dirty="0" smtClean="0">
                 <a:hlinkClick r:id="rId3"/>
               </a:rPr>
-              <a:t>Checked Binding</a:t>
+              <a:t>Checked </a:t>
+            </a:r>
+            <a:r>
+              <a:rPr lang="en-US" baseline="0" dirty="0" smtClean="0">
+                <a:hlinkClick r:id="rId3"/>
+              </a:rPr>
+              <a:t>Binding</a:t>
+            </a:r>
+            <a:endParaRPr lang="en-US" baseline="0" dirty="0" smtClean="0"/>
+          </a:p>
+          <a:p>
+            <a:pPr lvl="1"/>
+            <a:r>
+              <a:rPr lang="en-US" dirty="0" smtClean="0">
+                <a:hlinkClick r:id="rId4"/>
+              </a:rPr>
+              <a:t>Visible Binding</a:t>
             </a:r>
             <a:endParaRPr lang="en-US" baseline="0" dirty="0" smtClean="0"/>
           </a:p>
@@ -3578,11 +3590,7 @@
             <a:pPr lvl="1"/>
             <a:r>
               <a:rPr lang="en-US" dirty="0" smtClean="0"/>
-              <a:t>Subscribing to a value can ensure that when a value on the page changes we can update other values that depend on the value that you </a:t>
-            </a:r>
-            <a:r>
-              <a:rPr lang="en-US" smtClean="0"/>
-              <a:t>are subscribed to</a:t>
+              <a:t>Subscribing to a value can ensure that when a value on the page changes we can update other values that depend on the value that you are subscribed to</a:t>
             </a:r>
             <a:endParaRPr lang="en-US" dirty="0"/>
           </a:p>

--- a/JavaScript using an API with Knockout.pptx
+++ b/JavaScript using an API with Knockout.pptx
@@ -403,7 +403,7 @@
           <a:p>
             <a:fld id="{2F9D743F-7C85-4EEC-9C4E-400124DFB0D8}" type="datetimeFigureOut">
               <a:rPr lang="en-US" smtClean="0"/>
-              <a:t>1/23/2012</a:t>
+              <a:t>1/24/2012</a:t>
             </a:fld>
             <a:endParaRPr lang="en-US"/>
           </a:p>
@@ -568,7 +568,7 @@
           <a:p>
             <a:fld id="{2F9D743F-7C85-4EEC-9C4E-400124DFB0D8}" type="datetimeFigureOut">
               <a:rPr lang="en-US" smtClean="0"/>
-              <a:t>1/23/2012</a:t>
+              <a:t>1/24/2012</a:t>
             </a:fld>
             <a:endParaRPr lang="en-US"/>
           </a:p>
@@ -743,7 +743,7 @@
           <a:p>
             <a:fld id="{2F9D743F-7C85-4EEC-9C4E-400124DFB0D8}" type="datetimeFigureOut">
               <a:rPr lang="en-US" smtClean="0"/>
-              <a:t>1/23/2012</a:t>
+              <a:t>1/24/2012</a:t>
             </a:fld>
             <a:endParaRPr lang="en-US"/>
           </a:p>
@@ -890,7 +890,7 @@
           <a:p>
             <a:fld id="{2F9D743F-7C85-4EEC-9C4E-400124DFB0D8}" type="datetimeFigureOut">
               <a:rPr lang="en-US" smtClean="0"/>
-              <a:t>1/23/2012</a:t>
+              <a:t>1/24/2012</a:t>
             </a:fld>
             <a:endParaRPr lang="en-US"/>
           </a:p>
@@ -1007,7 +1007,7 @@
           <a:p>
             <a:fld id="{2F9D743F-7C85-4EEC-9C4E-400124DFB0D8}" type="datetimeFigureOut">
               <a:rPr lang="en-US" smtClean="0"/>
-              <a:t>1/23/2012</a:t>
+              <a:t>1/24/2012</a:t>
             </a:fld>
             <a:endParaRPr lang="en-US"/>
           </a:p>
@@ -1277,7 +1277,7 @@
           <a:p>
             <a:fld id="{2F9D743F-7C85-4EEC-9C4E-400124DFB0D8}" type="datetimeFigureOut">
               <a:rPr lang="en-US" smtClean="0"/>
-              <a:t>1/23/2012</a:t>
+              <a:t>1/24/2012</a:t>
             </a:fld>
             <a:endParaRPr lang="en-US"/>
           </a:p>
@@ -1546,7 +1546,7 @@
           <a:p>
             <a:fld id="{2F9D743F-7C85-4EEC-9C4E-400124DFB0D8}" type="datetimeFigureOut">
               <a:rPr lang="en-US" smtClean="0"/>
-              <a:t>1/23/2012</a:t>
+              <a:t>1/24/2012</a:t>
             </a:fld>
             <a:endParaRPr lang="en-US"/>
           </a:p>
@@ -1993,7 +1993,7 @@
           <a:p>
             <a:fld id="{2F9D743F-7C85-4EEC-9C4E-400124DFB0D8}" type="datetimeFigureOut">
               <a:rPr lang="en-US" smtClean="0"/>
-              <a:t>1/23/2012</a:t>
+              <a:t>1/24/2012</a:t>
             </a:fld>
             <a:endParaRPr lang="en-US"/>
           </a:p>
@@ -2106,7 +2106,7 @@
           <a:p>
             <a:fld id="{2F9D743F-7C85-4EEC-9C4E-400124DFB0D8}" type="datetimeFigureOut">
               <a:rPr lang="en-US" smtClean="0"/>
-              <a:t>1/23/2012</a:t>
+              <a:t>1/24/2012</a:t>
             </a:fld>
             <a:endParaRPr lang="en-US"/>
           </a:p>
@@ -2356,7 +2356,7 @@
           <a:p>
             <a:fld id="{2F9D743F-7C85-4EEC-9C4E-400124DFB0D8}" type="datetimeFigureOut">
               <a:rPr lang="en-US" smtClean="0"/>
-              <a:t>1/23/2012</a:t>
+              <a:t>1/24/2012</a:t>
             </a:fld>
             <a:endParaRPr lang="en-US"/>
           </a:p>
@@ -2596,7 +2596,7 @@
           <a:p>
             <a:fld id="{2F9D743F-7C85-4EEC-9C4E-400124DFB0D8}" type="datetimeFigureOut">
               <a:rPr lang="en-US" smtClean="0"/>
-              <a:t>1/23/2012</a:t>
+              <a:t>1/24/2012</a:t>
             </a:fld>
             <a:endParaRPr lang="en-US"/>
           </a:p>
@@ -2769,7 +2769,7 @@
           <a:p>
             <a:fld id="{2F9D743F-7C85-4EEC-9C4E-400124DFB0D8}" type="datetimeFigureOut">
               <a:rPr lang="en-US" smtClean="0"/>
-              <a:t>1/23/2012</a:t>
+              <a:t>1/24/2012</a:t>
             </a:fld>
             <a:endParaRPr lang="en-US"/>
           </a:p>
@@ -3560,13 +3560,7 @@
               <a:rPr lang="en-US" baseline="0" dirty="0" smtClean="0">
                 <a:hlinkClick r:id="rId3"/>
               </a:rPr>
-              <a:t>Checked </a:t>
-            </a:r>
-            <a:r>
-              <a:rPr lang="en-US" baseline="0" dirty="0" smtClean="0">
-                <a:hlinkClick r:id="rId3"/>
-              </a:rPr>
-              <a:t>Binding</a:t>
+              <a:t>Checked Binding</a:t>
             </a:r>
             <a:endParaRPr lang="en-US" baseline="0" dirty="0" smtClean="0"/>
           </a:p>
@@ -3576,7 +3570,23 @@
               <a:rPr lang="en-US" dirty="0" smtClean="0">
                 <a:hlinkClick r:id="rId4"/>
               </a:rPr>
-              <a:t>Visible Binding</a:t>
+              <a:t>Visible </a:t>
+            </a:r>
+            <a:r>
+              <a:rPr lang="en-US" dirty="0" smtClean="0">
+                <a:hlinkClick r:id="rId4"/>
+              </a:rPr>
+              <a:t>Binding</a:t>
+            </a:r>
+            <a:endParaRPr lang="en-US" dirty="0" smtClean="0"/>
+          </a:p>
+          <a:p>
+            <a:pPr lvl="1"/>
+            <a:r>
+              <a:rPr lang="en-US" baseline="0" dirty="0" smtClean="0">
+                <a:hlinkClick r:id="rId5"/>
+              </a:rPr>
+              <a:t>For Each Binding</a:t>
             </a:r>
             <a:endParaRPr lang="en-US" baseline="0" dirty="0" smtClean="0"/>
           </a:p>
